--- a/docs/songs/million little miracles.pptx
+++ b/docs/songs/million little miracles.pptx
@@ -215,7 +215,7 @@
           <a:p>
             <a:fld id="{8D2868A8-08F3-498D-878F-C1ED49CCBCE0}" type="datetimeFigureOut">
               <a:rPr lang="en-GB" smtClean="0"/>
-              <a:t>03/10/2022</a:t>
+              <a:t>14/07/2024</a:t>
             </a:fld>
             <a:endParaRPr lang="en-GB"/>
           </a:p>
@@ -749,7 +749,7 @@
             <a:fld id="{26EA1CF3-4A15-4CBF-9A5A-6A56C368BE71}" type="datetimeFigureOut">
               <a:rPr lang="en-GB" smtClean="0"/>
               <a:pPr/>
-              <a:t>03/10/2022</a:t>
+              <a:t>14/07/2024</a:t>
             </a:fld>
             <a:endParaRPr lang="en-GB"/>
           </a:p>
@@ -916,7 +916,7 @@
             <a:fld id="{26EA1CF3-4A15-4CBF-9A5A-6A56C368BE71}" type="datetimeFigureOut">
               <a:rPr lang="en-GB" smtClean="0"/>
               <a:pPr/>
-              <a:t>03/10/2022</a:t>
+              <a:t>14/07/2024</a:t>
             </a:fld>
             <a:endParaRPr lang="en-GB"/>
           </a:p>
@@ -1093,7 +1093,7 @@
             <a:fld id="{26EA1CF3-4A15-4CBF-9A5A-6A56C368BE71}" type="datetimeFigureOut">
               <a:rPr lang="en-GB" smtClean="0"/>
               <a:pPr/>
-              <a:t>03/10/2022</a:t>
+              <a:t>14/07/2024</a:t>
             </a:fld>
             <a:endParaRPr lang="en-GB"/>
           </a:p>
@@ -1260,7 +1260,7 @@
             <a:fld id="{26EA1CF3-4A15-4CBF-9A5A-6A56C368BE71}" type="datetimeFigureOut">
               <a:rPr lang="en-GB" smtClean="0"/>
               <a:pPr/>
-              <a:t>03/10/2022</a:t>
+              <a:t>14/07/2024</a:t>
             </a:fld>
             <a:endParaRPr lang="en-GB"/>
           </a:p>
@@ -1503,7 +1503,7 @@
             <a:fld id="{26EA1CF3-4A15-4CBF-9A5A-6A56C368BE71}" type="datetimeFigureOut">
               <a:rPr lang="en-GB" smtClean="0"/>
               <a:pPr/>
-              <a:t>03/10/2022</a:t>
+              <a:t>14/07/2024</a:t>
             </a:fld>
             <a:endParaRPr lang="en-GB"/>
           </a:p>
@@ -1788,7 +1788,7 @@
             <a:fld id="{26EA1CF3-4A15-4CBF-9A5A-6A56C368BE71}" type="datetimeFigureOut">
               <a:rPr lang="en-GB" smtClean="0"/>
               <a:pPr/>
-              <a:t>03/10/2022</a:t>
+              <a:t>14/07/2024</a:t>
             </a:fld>
             <a:endParaRPr lang="en-GB"/>
           </a:p>
@@ -2207,7 +2207,7 @@
             <a:fld id="{26EA1CF3-4A15-4CBF-9A5A-6A56C368BE71}" type="datetimeFigureOut">
               <a:rPr lang="en-GB" smtClean="0"/>
               <a:pPr/>
-              <a:t>03/10/2022</a:t>
+              <a:t>14/07/2024</a:t>
             </a:fld>
             <a:endParaRPr lang="en-GB"/>
           </a:p>
@@ -2322,7 +2322,7 @@
             <a:fld id="{26EA1CF3-4A15-4CBF-9A5A-6A56C368BE71}" type="datetimeFigureOut">
               <a:rPr lang="en-GB" smtClean="0"/>
               <a:pPr/>
-              <a:t>03/10/2022</a:t>
+              <a:t>14/07/2024</a:t>
             </a:fld>
             <a:endParaRPr lang="en-GB"/>
           </a:p>
@@ -2414,7 +2414,7 @@
             <a:fld id="{26EA1CF3-4A15-4CBF-9A5A-6A56C368BE71}" type="datetimeFigureOut">
               <a:rPr lang="en-GB" smtClean="0"/>
               <a:pPr/>
-              <a:t>03/10/2022</a:t>
+              <a:t>14/07/2024</a:t>
             </a:fld>
             <a:endParaRPr lang="en-GB"/>
           </a:p>
@@ -2688,7 +2688,7 @@
             <a:fld id="{26EA1CF3-4A15-4CBF-9A5A-6A56C368BE71}" type="datetimeFigureOut">
               <a:rPr lang="en-GB" smtClean="0"/>
               <a:pPr/>
-              <a:t>03/10/2022</a:t>
+              <a:t>14/07/2024</a:t>
             </a:fld>
             <a:endParaRPr lang="en-GB"/>
           </a:p>
@@ -2938,7 +2938,7 @@
             <a:fld id="{26EA1CF3-4A15-4CBF-9A5A-6A56C368BE71}" type="datetimeFigureOut">
               <a:rPr lang="en-GB" smtClean="0"/>
               <a:pPr/>
-              <a:t>03/10/2022</a:t>
+              <a:t>14/07/2024</a:t>
             </a:fld>
             <a:endParaRPr lang="en-GB"/>
           </a:p>
@@ -3151,7 +3151,7 @@
             <a:fld id="{26EA1CF3-4A15-4CBF-9A5A-6A56C368BE71}" type="datetimeFigureOut">
               <a:rPr lang="en-GB" smtClean="0"/>
               <a:pPr/>
-              <a:t>03/10/2022</a:t>
+              <a:t>14/07/2024</a:t>
             </a:fld>
             <a:endParaRPr lang="en-GB"/>
           </a:p>
@@ -3730,7 +3730,7 @@
         </p:nvSpPr>
         <p:spPr>
           <a:xfrm>
-            <a:off x="323528" y="188640"/>
+            <a:off x="180603" y="764704"/>
             <a:ext cx="8640960" cy="6480720"/>
           </a:xfrm>
         </p:spPr>
@@ -3741,7 +3741,7 @@
           <a:lstStyle/>
           <a:p>
             <a:r>
-              <a:rPr lang="en-GB" sz="4000" dirty="0">
+              <a:rPr lang="en-GB" sz="3600" dirty="0">
                 <a:solidFill>
                   <a:schemeClr val="bg1"/>
                 </a:solidFill>
@@ -3751,7 +3751,7 @@
           </a:p>
           <a:p>
             <a:r>
-              <a:rPr lang="en-GB" sz="4000" dirty="0">
+              <a:rPr lang="en-GB" sz="3600" dirty="0">
                 <a:solidFill>
                   <a:schemeClr val="bg1"/>
                 </a:solidFill>
@@ -3759,7 +3759,7 @@
               <a:t>Don't ask me how </a:t>
             </a:r>
             <a:r>
-              <a:rPr lang="en-GB" sz="4000" dirty="0" err="1">
+              <a:rPr lang="en-GB" sz="3600" dirty="0" err="1">
                 <a:solidFill>
                   <a:schemeClr val="bg1"/>
                 </a:solidFill>
@@ -3767,7 +3767,7 @@
               <a:t>'cause</a:t>
             </a:r>
             <a:r>
-              <a:rPr lang="en-GB" sz="4000" dirty="0">
+              <a:rPr lang="en-GB" sz="3600" dirty="0">
                 <a:solidFill>
                   <a:schemeClr val="bg1"/>
                 </a:solidFill>
@@ -3777,7 +3777,7 @@
           </a:p>
           <a:p>
             <a:r>
-              <a:rPr lang="en-GB" sz="4000" dirty="0">
+              <a:rPr lang="en-GB" sz="3600" dirty="0">
                 <a:solidFill>
                   <a:schemeClr val="bg1"/>
                 </a:solidFill>
@@ -3786,7 +3786,7 @@
             </a:r>
           </a:p>
           <a:p>
-            <a:endParaRPr lang="en-GB" sz="4000" dirty="0">
+            <a:endParaRPr lang="en-GB" sz="3600" dirty="0">
               <a:solidFill>
                 <a:schemeClr val="bg1"/>
               </a:solidFill>
@@ -3794,7 +3794,7 @@
           </a:p>
           <a:p>
             <a:r>
-              <a:rPr lang="en-GB" sz="4000" dirty="0">
+              <a:rPr lang="en-GB" sz="3600" dirty="0">
                 <a:solidFill>
                   <a:schemeClr val="bg1"/>
                 </a:solidFill>
@@ -3804,7 +3804,7 @@
           </a:p>
           <a:p>
             <a:r>
-              <a:rPr lang="en-GB" sz="4000" dirty="0">
+              <a:rPr lang="en-GB" sz="3600" dirty="0">
                 <a:solidFill>
                   <a:schemeClr val="bg1"/>
                 </a:solidFill>
@@ -3814,7 +3814,7 @@
           </a:p>
           <a:p>
             <a:r>
-              <a:rPr lang="en-GB" sz="4000" dirty="0">
+              <a:rPr lang="en-GB" sz="3600" dirty="0">
                 <a:solidFill>
                   <a:schemeClr val="bg1"/>
                 </a:solidFill>
@@ -3899,7 +3899,7 @@
         </p:nvSpPr>
         <p:spPr>
           <a:xfrm>
-            <a:off x="323528" y="188640"/>
+            <a:off x="251520" y="764704"/>
             <a:ext cx="8640960" cy="6480720"/>
           </a:xfrm>
         </p:spPr>
@@ -3910,7 +3910,7 @@
           <a:lstStyle/>
           <a:p>
             <a:r>
-              <a:rPr lang="en-GB" sz="6000" dirty="0">
+              <a:rPr lang="en-GB" sz="3600" dirty="0">
                 <a:solidFill>
                   <a:schemeClr val="bg1"/>
                 </a:solidFill>
@@ -3920,7 +3920,7 @@
           </a:p>
           <a:p>
             <a:r>
-              <a:rPr lang="en-GB" sz="6000" dirty="0">
+              <a:rPr lang="en-GB" sz="3600" dirty="0">
                 <a:solidFill>
                   <a:schemeClr val="bg1"/>
                 </a:solidFill>
@@ -4005,7 +4005,7 @@
         </p:nvSpPr>
         <p:spPr>
           <a:xfrm>
-            <a:off x="107504" y="188640"/>
+            <a:off x="-108520" y="764704"/>
             <a:ext cx="8856984" cy="6480720"/>
           </a:xfrm>
         </p:spPr>
@@ -4016,7 +4016,7 @@
           <a:lstStyle/>
           <a:p>
             <a:r>
-              <a:rPr lang="en-GB" sz="5000" dirty="0">
+              <a:rPr lang="en-GB" sz="3600" dirty="0">
                 <a:solidFill>
                   <a:schemeClr val="bg1"/>
                 </a:solidFill>
@@ -4026,7 +4026,7 @@
           </a:p>
           <a:p>
             <a:r>
-              <a:rPr lang="en-GB" sz="5000" dirty="0">
+              <a:rPr lang="en-GB" sz="3600" dirty="0">
                 <a:solidFill>
                   <a:schemeClr val="bg1"/>
                 </a:solidFill>
@@ -4036,7 +4036,7 @@
           </a:p>
           <a:p>
             <a:r>
-              <a:rPr lang="en-GB" sz="5000" dirty="0">
+              <a:rPr lang="en-GB" sz="3600" dirty="0">
                 <a:solidFill>
                   <a:schemeClr val="bg1"/>
                 </a:solidFill>
@@ -4046,7 +4046,7 @@
           </a:p>
           <a:p>
             <a:r>
-              <a:rPr lang="en-GB" sz="5000" dirty="0">
+              <a:rPr lang="en-GB" sz="3600" dirty="0">
                 <a:solidFill>
                   <a:schemeClr val="bg1"/>
                 </a:solidFill>
@@ -4056,7 +4056,7 @@
           </a:p>
           <a:p>
             <a:r>
-              <a:rPr lang="en-GB" sz="5000" dirty="0">
+              <a:rPr lang="en-GB" sz="3600" dirty="0">
                 <a:solidFill>
                   <a:schemeClr val="bg1"/>
                 </a:solidFill>
@@ -4064,7 +4064,7 @@
               <a:t>1-2-3-4 I can't even count '</a:t>
             </a:r>
             <a:r>
-              <a:rPr lang="en-GB" sz="5000" dirty="0" err="1">
+              <a:rPr lang="en-GB" sz="3600" dirty="0" err="1">
                 <a:solidFill>
                   <a:schemeClr val="bg1"/>
                 </a:solidFill>
@@ -4072,7 +4072,7 @@
               <a:t>em</a:t>
             </a:r>
             <a:r>
-              <a:rPr lang="en-GB" sz="5000" dirty="0">
+              <a:rPr lang="en-GB" sz="3600" dirty="0">
                 <a:solidFill>
                   <a:schemeClr val="bg1"/>
                 </a:solidFill>
@@ -4157,7 +4157,7 @@
         </p:nvSpPr>
         <p:spPr>
           <a:xfrm>
-            <a:off x="107504" y="188640"/>
+            <a:off x="-40492" y="692696"/>
             <a:ext cx="8856984" cy="6480720"/>
           </a:xfrm>
         </p:spPr>
@@ -4168,7 +4168,7 @@
           <a:lstStyle/>
           <a:p>
             <a:r>
-              <a:rPr lang="en-GB" sz="4000" dirty="0">
+              <a:rPr lang="en-GB" sz="3600" dirty="0">
                 <a:solidFill>
                   <a:schemeClr val="bg1"/>
                 </a:solidFill>
@@ -4178,7 +4178,7 @@
           </a:p>
           <a:p>
             <a:r>
-              <a:rPr lang="en-GB" sz="4000" dirty="0">
+              <a:rPr lang="en-GB" sz="3600" dirty="0">
                 <a:solidFill>
                   <a:schemeClr val="bg1"/>
                 </a:solidFill>
@@ -4188,7 +4188,7 @@
           </a:p>
           <a:p>
             <a:r>
-              <a:rPr lang="en-GB" sz="4000" dirty="0">
+              <a:rPr lang="en-GB" sz="3600" dirty="0">
                 <a:solidFill>
                   <a:schemeClr val="bg1"/>
                 </a:solidFill>
@@ -4196,13 +4196,13 @@
               <a:t>I hope I never get over what You've done</a:t>
             </a:r>
             <a:br>
-              <a:rPr lang="en-GB" sz="4000" dirty="0">
+              <a:rPr lang="en-GB" sz="3600" dirty="0">
                 <a:solidFill>
                   <a:schemeClr val="bg1"/>
                 </a:solidFill>
               </a:rPr>
             </a:br>
-            <a:endParaRPr lang="en-GB" sz="4000" dirty="0">
+            <a:endParaRPr lang="en-GB" sz="3600" dirty="0">
               <a:solidFill>
                 <a:schemeClr val="bg1"/>
               </a:solidFill>
@@ -4210,7 +4210,7 @@
           </a:p>
           <a:p>
             <a:r>
-              <a:rPr lang="en-GB" sz="4000" dirty="0">
+              <a:rPr lang="en-GB" sz="3600" dirty="0">
                 <a:solidFill>
                   <a:schemeClr val="bg1"/>
                 </a:solidFill>
@@ -4218,7 +4218,7 @@
               <a:t>I </a:t>
             </a:r>
             <a:r>
-              <a:rPr lang="en-GB" sz="4000" dirty="0" err="1">
+              <a:rPr lang="en-GB" sz="3600" dirty="0" err="1">
                 <a:solidFill>
                   <a:schemeClr val="bg1"/>
                 </a:solidFill>
@@ -4226,7 +4226,7 @@
               <a:t>wanna</a:t>
             </a:r>
             <a:r>
-              <a:rPr lang="en-GB" sz="4000" dirty="0">
+              <a:rPr lang="en-GB" sz="3600" dirty="0">
                 <a:solidFill>
                   <a:schemeClr val="bg1"/>
                 </a:solidFill>
@@ -4236,7 +4236,7 @@
           </a:p>
           <a:p>
             <a:r>
-              <a:rPr lang="en-GB" sz="4000" dirty="0">
+              <a:rPr lang="en-GB" sz="3600" dirty="0">
                 <a:solidFill>
                   <a:schemeClr val="bg1"/>
                 </a:solidFill>
@@ -4244,7 +4244,7 @@
               <a:t>I </a:t>
             </a:r>
             <a:r>
-              <a:rPr lang="en-GB" sz="4000" dirty="0" err="1">
+              <a:rPr lang="en-GB" sz="3600" dirty="0" err="1">
                 <a:solidFill>
                   <a:schemeClr val="bg1"/>
                 </a:solidFill>
@@ -4252,7 +4252,7 @@
               <a:t>wanna</a:t>
             </a:r>
             <a:r>
-              <a:rPr lang="en-GB" sz="4000" dirty="0">
+              <a:rPr lang="en-GB" sz="3600" dirty="0">
                 <a:solidFill>
                   <a:schemeClr val="bg1"/>
                 </a:solidFill>
@@ -4262,7 +4262,7 @@
           </a:p>
           <a:p>
             <a:r>
-              <a:rPr lang="en-GB" sz="4000" dirty="0">
+              <a:rPr lang="en-GB" sz="3600" dirty="0">
                 <a:solidFill>
                   <a:schemeClr val="bg1"/>
                 </a:solidFill>
@@ -4271,7 +4271,7 @@
             </a:r>
           </a:p>
           <a:p>
-            <a:endParaRPr lang="en-GB" sz="4000" dirty="0">
+            <a:endParaRPr lang="en-GB" sz="3600" dirty="0">
               <a:solidFill>
                 <a:schemeClr val="bg1"/>
               </a:solidFill>
@@ -4354,7 +4354,7 @@
         </p:nvSpPr>
         <p:spPr>
           <a:xfrm>
-            <a:off x="323528" y="188640"/>
+            <a:off x="203118" y="764704"/>
             <a:ext cx="8640960" cy="6480720"/>
           </a:xfrm>
         </p:spPr>
@@ -4365,7 +4365,7 @@
           <a:lstStyle/>
           <a:p>
             <a:r>
-              <a:rPr lang="en-GB" sz="6000" dirty="0">
+              <a:rPr lang="en-GB" sz="3600" dirty="0">
                 <a:solidFill>
                   <a:schemeClr val="bg1"/>
                 </a:solidFill>
@@ -4375,7 +4375,7 @@
           </a:p>
           <a:p>
             <a:r>
-              <a:rPr lang="en-GB" sz="6000" dirty="0">
+              <a:rPr lang="en-GB" sz="3600" dirty="0">
                 <a:solidFill>
                   <a:schemeClr val="bg1"/>
                 </a:solidFill>
@@ -4460,7 +4460,7 @@
         </p:nvSpPr>
         <p:spPr>
           <a:xfrm>
-            <a:off x="107504" y="188640"/>
+            <a:off x="0" y="692696"/>
             <a:ext cx="8856984" cy="6480720"/>
           </a:xfrm>
         </p:spPr>
@@ -4471,7 +4471,7 @@
           <a:lstStyle/>
           <a:p>
             <a:r>
-              <a:rPr lang="en-GB" sz="5000" dirty="0">
+              <a:rPr lang="en-GB" sz="3600" dirty="0">
                 <a:solidFill>
                   <a:schemeClr val="bg1"/>
                 </a:solidFill>
@@ -4481,7 +4481,7 @@
           </a:p>
           <a:p>
             <a:r>
-              <a:rPr lang="en-GB" sz="5000" dirty="0">
+              <a:rPr lang="en-GB" sz="3600" dirty="0">
                 <a:solidFill>
                   <a:schemeClr val="bg1"/>
                 </a:solidFill>
@@ -4491,7 +4491,7 @@
           </a:p>
           <a:p>
             <a:r>
-              <a:rPr lang="en-GB" sz="5000" dirty="0">
+              <a:rPr lang="en-GB" sz="3600" dirty="0">
                 <a:solidFill>
                   <a:schemeClr val="bg1"/>
                 </a:solidFill>
@@ -4501,7 +4501,7 @@
           </a:p>
           <a:p>
             <a:r>
-              <a:rPr lang="en-GB" sz="5000" dirty="0">
+              <a:rPr lang="en-GB" sz="3600" dirty="0">
                 <a:solidFill>
                   <a:schemeClr val="bg1"/>
                 </a:solidFill>
@@ -4511,7 +4511,7 @@
           </a:p>
           <a:p>
             <a:r>
-              <a:rPr lang="en-GB" sz="5000" dirty="0">
+              <a:rPr lang="en-GB" sz="3600" dirty="0">
                 <a:solidFill>
                   <a:schemeClr val="bg1"/>
                 </a:solidFill>
@@ -4519,7 +4519,7 @@
               <a:t>1-2-3-4 I can't even count '</a:t>
             </a:r>
             <a:r>
-              <a:rPr lang="en-GB" sz="5000" dirty="0" err="1">
+              <a:rPr lang="en-GB" sz="3600" dirty="0" err="1">
                 <a:solidFill>
                   <a:schemeClr val="bg1"/>
                 </a:solidFill>
@@ -4527,7 +4527,7 @@
               <a:t>em</a:t>
             </a:r>
             <a:r>
-              <a:rPr lang="en-GB" sz="5000" dirty="0">
+              <a:rPr lang="en-GB" sz="3600" dirty="0">
                 <a:solidFill>
                   <a:schemeClr val="bg1"/>
                 </a:solidFill>
@@ -4612,7 +4612,7 @@
         </p:nvSpPr>
         <p:spPr>
           <a:xfrm>
-            <a:off x="107504" y="188640"/>
+            <a:off x="-12906" y="764704"/>
             <a:ext cx="8856984" cy="6480720"/>
           </a:xfrm>
         </p:spPr>
@@ -4623,7 +4623,7 @@
           <a:lstStyle/>
           <a:p>
             <a:r>
-              <a:rPr lang="en-GB" sz="4800" dirty="0">
+              <a:rPr lang="en-GB" sz="3600" dirty="0">
                 <a:solidFill>
                   <a:schemeClr val="bg1"/>
                 </a:solidFill>
@@ -4631,14 +4631,14 @@
               <a:t>I can't even </a:t>
             </a:r>
             <a:br>
-              <a:rPr lang="en-GB" sz="4800" dirty="0">
+              <a:rPr lang="en-GB" sz="3600" dirty="0">
                 <a:solidFill>
                   <a:schemeClr val="bg1"/>
                 </a:solidFill>
               </a:rPr>
             </a:br>
             <a:r>
-              <a:rPr lang="en-GB" sz="4800" dirty="0">
+              <a:rPr lang="en-GB" sz="3600" dirty="0">
                 <a:solidFill>
                   <a:schemeClr val="bg1"/>
                 </a:solidFill>
@@ -4646,7 +4646,7 @@
               <a:t>I can't even count '</a:t>
             </a:r>
             <a:r>
-              <a:rPr lang="en-GB" sz="4800" dirty="0" err="1">
+              <a:rPr lang="en-GB" sz="3600" dirty="0" err="1">
                 <a:solidFill>
                   <a:schemeClr val="bg1"/>
                 </a:solidFill>
@@ -4654,7 +4654,7 @@
               <a:t>em</a:t>
             </a:r>
             <a:r>
-              <a:rPr lang="en-GB" sz="4800" dirty="0">
+              <a:rPr lang="en-GB" sz="3600" dirty="0">
                 <a:solidFill>
                   <a:schemeClr val="bg1"/>
                 </a:solidFill>
@@ -4664,7 +4664,7 @@
           </a:p>
           <a:p>
             <a:r>
-              <a:rPr lang="en-GB" sz="4800" dirty="0">
+              <a:rPr lang="en-GB" sz="3600" dirty="0">
                 <a:solidFill>
                   <a:schemeClr val="bg1"/>
                 </a:solidFill>
@@ -4672,14 +4672,14 @@
               <a:t>I can't even </a:t>
             </a:r>
             <a:br>
-              <a:rPr lang="en-GB" sz="4800" dirty="0">
+              <a:rPr lang="en-GB" sz="3600" dirty="0">
                 <a:solidFill>
                   <a:schemeClr val="bg1"/>
                 </a:solidFill>
               </a:rPr>
             </a:br>
             <a:r>
-              <a:rPr lang="en-GB" sz="4800" dirty="0">
+              <a:rPr lang="en-GB" sz="3600" dirty="0">
                 <a:solidFill>
                   <a:schemeClr val="bg1"/>
                 </a:solidFill>
@@ -4687,7 +4687,7 @@
               <a:t>I can't even count '</a:t>
             </a:r>
             <a:r>
-              <a:rPr lang="en-GB" sz="4800" dirty="0" err="1">
+              <a:rPr lang="en-GB" sz="3600" dirty="0" err="1">
                 <a:solidFill>
                   <a:schemeClr val="bg1"/>
                 </a:solidFill>
@@ -4695,7 +4695,7 @@
               <a:t>em</a:t>
             </a:r>
             <a:r>
-              <a:rPr lang="en-GB" sz="4800" dirty="0">
+              <a:rPr lang="en-GB" sz="3600" dirty="0">
                 <a:solidFill>
                   <a:schemeClr val="bg1"/>
                 </a:solidFill>
@@ -4705,7 +4705,7 @@
           </a:p>
           <a:p>
             <a:r>
-              <a:rPr lang="en-GB" sz="4800" dirty="0">
+              <a:rPr lang="en-GB" sz="3600" dirty="0">
                 <a:solidFill>
                   <a:schemeClr val="bg1"/>
                 </a:solidFill>
@@ -4713,14 +4713,14 @@
               <a:t>I can't even </a:t>
             </a:r>
             <a:br>
-              <a:rPr lang="en-GB" sz="4800" dirty="0">
+              <a:rPr lang="en-GB" sz="3600" dirty="0">
                 <a:solidFill>
                   <a:schemeClr val="bg1"/>
                 </a:solidFill>
               </a:rPr>
             </a:br>
             <a:r>
-              <a:rPr lang="en-GB" sz="4800" dirty="0">
+              <a:rPr lang="en-GB" sz="3600" dirty="0">
                 <a:solidFill>
                   <a:schemeClr val="bg1"/>
                 </a:solidFill>
@@ -4728,7 +4728,7 @@
               <a:t>I can't even count '</a:t>
             </a:r>
             <a:r>
-              <a:rPr lang="en-GB" sz="4800" dirty="0" err="1">
+              <a:rPr lang="en-GB" sz="3600" dirty="0" err="1">
                 <a:solidFill>
                   <a:schemeClr val="bg1"/>
                 </a:solidFill>
@@ -4736,7 +4736,7 @@
               <a:t>em</a:t>
             </a:r>
             <a:r>
-              <a:rPr lang="en-GB" sz="4800" dirty="0">
+              <a:rPr lang="en-GB" sz="3600" dirty="0">
                 <a:solidFill>
                   <a:schemeClr val="bg1"/>
                 </a:solidFill>
@@ -4744,14 +4744,14 @@
               <a:t> all</a:t>
             </a:r>
             <a:br>
-              <a:rPr lang="en-GB" sz="4800" dirty="0">
+              <a:rPr lang="en-GB" sz="3600" dirty="0">
                 <a:solidFill>
                   <a:schemeClr val="bg1"/>
                 </a:solidFill>
               </a:rPr>
             </a:br>
             <a:r>
-              <a:rPr lang="en-GB" sz="4800" dirty="0">
+              <a:rPr lang="en-GB" sz="3600" dirty="0">
                 <a:solidFill>
                   <a:schemeClr val="bg1"/>
                 </a:solidFill>
@@ -4759,7 +4759,7 @@
               <a:t>1-2-3-4 I can't even count '</a:t>
             </a:r>
             <a:r>
-              <a:rPr lang="en-GB" sz="4800" dirty="0" err="1">
+              <a:rPr lang="en-GB" sz="3600" dirty="0" err="1">
                 <a:solidFill>
                   <a:schemeClr val="bg1"/>
                 </a:solidFill>
@@ -4767,7 +4767,7 @@
               <a:t>em</a:t>
             </a:r>
             <a:r>
-              <a:rPr lang="en-GB" sz="4800" dirty="0">
+              <a:rPr lang="en-GB" sz="3600" dirty="0">
                 <a:solidFill>
                   <a:schemeClr val="bg1"/>
                 </a:solidFill>
